--- a/Course Materials/Lecture Notes 1 08132024.pptx
+++ b/Course Materials/Lecture Notes 1 08132024.pptx
@@ -232,7 +232,7 @@
           <a:p>
             <a:fld id="{E2D9CD7C-C199-4991-A57E-C96C4CC53CBC}" type="datetimeFigureOut">
               <a:rPr lang="en-GB" smtClean="0"/>
-              <a:t>13/08/2024</a:t>
+              <a:t>14/08/2024</a:t>
             </a:fld>
             <a:endParaRPr lang="en-GB"/>
           </a:p>
@@ -635,7 +635,7 @@
           <a:p>
             <a:fld id="{79258987-A25C-4C50-807C-D37EDE9949C3}" type="datetimeFigureOut">
               <a:rPr lang="en-US" smtClean="0"/>
-              <a:t>8/13/2024</a:t>
+              <a:t>8/14/2024</a:t>
             </a:fld>
             <a:endParaRPr lang="en-US"/>
           </a:p>
@@ -939,7 +939,7 @@
           <a:p>
             <a:fld id="{79258987-A25C-4C50-807C-D37EDE9949C3}" type="datetimeFigureOut">
               <a:rPr lang="en-US" smtClean="0"/>
-              <a:t>8/13/2024</a:t>
+              <a:t>8/14/2024</a:t>
             </a:fld>
             <a:endParaRPr lang="en-US"/>
           </a:p>
@@ -1147,7 +1147,7 @@
           <a:p>
             <a:fld id="{79258987-A25C-4C50-807C-D37EDE9949C3}" type="datetimeFigureOut">
               <a:rPr lang="en-US" smtClean="0"/>
-              <a:t>8/13/2024</a:t>
+              <a:t>8/14/2024</a:t>
             </a:fld>
             <a:endParaRPr lang="en-US"/>
           </a:p>
@@ -1400,7 +1400,7 @@
             <a:fld id="{79258987-A25C-4C50-807C-D37EDE9949C3}" type="datetimeFigureOut">
               <a:rPr lang="en-US" smtClean="0"/>
               <a:pPr/>
-              <a:t>8/13/2024</a:t>
+              <a:t>8/14/2024</a:t>
             </a:fld>
             <a:endParaRPr lang="en-US" dirty="0"/>
           </a:p>
@@ -2491,7 +2491,7 @@
           <a:p>
             <a:fld id="{79258987-A25C-4C50-807C-D37EDE9949C3}" type="datetimeFigureOut">
               <a:rPr lang="en-US" smtClean="0"/>
-              <a:t>8/13/2024</a:t>
+              <a:t>8/14/2024</a:t>
             </a:fld>
             <a:endParaRPr lang="en-US"/>
           </a:p>
@@ -2863,7 +2863,7 @@
           <a:p>
             <a:fld id="{79258987-A25C-4C50-807C-D37EDE9949C3}" type="datetimeFigureOut">
               <a:rPr lang="en-US" smtClean="0"/>
-              <a:t>8/13/2024</a:t>
+              <a:t>8/14/2024</a:t>
             </a:fld>
             <a:endParaRPr lang="en-US"/>
           </a:p>
@@ -3275,7 +3275,7 @@
           <a:p>
             <a:fld id="{79258987-A25C-4C50-807C-D37EDE9949C3}" type="datetimeFigureOut">
               <a:rPr lang="en-US" smtClean="0"/>
-              <a:t>8/13/2024</a:t>
+              <a:t>8/14/2024</a:t>
             </a:fld>
             <a:endParaRPr lang="en-US"/>
           </a:p>
@@ -3462,7 +3462,7 @@
           <a:p>
             <a:fld id="{79258987-A25C-4C50-807C-D37EDE9949C3}" type="datetimeFigureOut">
               <a:rPr lang="en-US" smtClean="0"/>
-              <a:t>8/13/2024</a:t>
+              <a:t>8/14/2024</a:t>
             </a:fld>
             <a:endParaRPr lang="en-US"/>
           </a:p>
@@ -3608,7 +3608,7 @@
           <a:p>
             <a:fld id="{79258987-A25C-4C50-807C-D37EDE9949C3}" type="datetimeFigureOut">
               <a:rPr lang="en-US" smtClean="0"/>
-              <a:t>8/13/2024</a:t>
+              <a:t>8/14/2024</a:t>
             </a:fld>
             <a:endParaRPr lang="en-US"/>
           </a:p>
@@ -3952,7 +3952,7 @@
           <a:p>
             <a:fld id="{79258987-A25C-4C50-807C-D37EDE9949C3}" type="datetimeFigureOut">
               <a:rPr lang="en-US" smtClean="0"/>
-              <a:t>8/13/2024</a:t>
+              <a:t>8/14/2024</a:t>
             </a:fld>
             <a:endParaRPr lang="en-US"/>
           </a:p>
@@ -4240,7 +4240,7 @@
           <a:p>
             <a:fld id="{79258987-A25C-4C50-807C-D37EDE9949C3}" type="datetimeFigureOut">
               <a:rPr lang="en-US" smtClean="0"/>
-              <a:t>8/13/2024</a:t>
+              <a:t>8/14/2024</a:t>
             </a:fld>
             <a:endParaRPr lang="en-US"/>
           </a:p>
@@ -4481,7 +4481,7 @@
           <a:p>
             <a:fld id="{79258987-A25C-4C50-807C-D37EDE9949C3}" type="datetimeFigureOut">
               <a:rPr lang="en-US" smtClean="0"/>
-              <a:t>8/13/2024</a:t>
+              <a:t>8/14/2024</a:t>
             </a:fld>
             <a:endParaRPr lang="en-US"/>
           </a:p>
